--- a/crime.pptx
+++ b/crime.pptx
@@ -15,11 +15,11 @@
     <p:sldId id="264" r:id="rId9"/>
     <p:sldId id="265" r:id="rId10"/>
     <p:sldId id="266" r:id="rId11"/>
-    <p:sldId id="267" r:id="rId12"/>
-    <p:sldId id="268" r:id="rId13"/>
-    <p:sldId id="269" r:id="rId14"/>
-    <p:sldId id="270" r:id="rId15"/>
-    <p:sldId id="271" r:id="rId16"/>
+    <p:sldId id="268" r:id="rId12"/>
+    <p:sldId id="269" r:id="rId13"/>
+    <p:sldId id="270" r:id="rId14"/>
+    <p:sldId id="271" r:id="rId15"/>
+    <p:sldId id="272" r:id="rId16"/>
   </p:sldIdLst>
   <p:sldSz cx="12192000" cy="6858000"/>
   <p:notesSz cx="6858000" cy="9144000"/>
@@ -312,7 +312,7 @@
           <a:p>
             <a:fld id="{5C441A44-9577-460B-9090-D771A7D54FE2}" type="datetimeFigureOut">
               <a:rPr lang="en-IN" smtClean="0"/>
-              <a:t>15-06-2018</a:t>
+              <a:t>16-06-2018</a:t>
             </a:fld>
             <a:endParaRPr lang="en-IN"/>
           </a:p>
@@ -587,7 +587,7 @@
           <a:p>
             <a:fld id="{5C441A44-9577-460B-9090-D771A7D54FE2}" type="datetimeFigureOut">
               <a:rPr lang="en-IN" smtClean="0"/>
-              <a:t>15-06-2018</a:t>
+              <a:t>16-06-2018</a:t>
             </a:fld>
             <a:endParaRPr lang="en-IN"/>
           </a:p>
@@ -781,7 +781,7 @@
           <a:p>
             <a:fld id="{5C441A44-9577-460B-9090-D771A7D54FE2}" type="datetimeFigureOut">
               <a:rPr lang="en-IN" smtClean="0"/>
-              <a:t>15-06-2018</a:t>
+              <a:t>16-06-2018</a:t>
             </a:fld>
             <a:endParaRPr lang="en-IN"/>
           </a:p>
@@ -1054,7 +1054,7 @@
           <a:p>
             <a:fld id="{5C441A44-9577-460B-9090-D771A7D54FE2}" type="datetimeFigureOut">
               <a:rPr lang="en-IN" smtClean="0"/>
-              <a:t>15-06-2018</a:t>
+              <a:t>16-06-2018</a:t>
             </a:fld>
             <a:endParaRPr lang="en-IN"/>
           </a:p>
@@ -1395,7 +1395,7 @@
           <a:p>
             <a:fld id="{5C441A44-9577-460B-9090-D771A7D54FE2}" type="datetimeFigureOut">
               <a:rPr lang="en-IN" smtClean="0"/>
-              <a:t>15-06-2018</a:t>
+              <a:t>16-06-2018</a:t>
             </a:fld>
             <a:endParaRPr lang="en-IN"/>
           </a:p>
@@ -2018,7 +2018,7 @@
           <a:p>
             <a:fld id="{5C441A44-9577-460B-9090-D771A7D54FE2}" type="datetimeFigureOut">
               <a:rPr lang="en-IN" smtClean="0"/>
-              <a:t>15-06-2018</a:t>
+              <a:t>16-06-2018</a:t>
             </a:fld>
             <a:endParaRPr lang="en-IN"/>
           </a:p>
@@ -2878,7 +2878,7 @@
           <a:p>
             <a:fld id="{5C441A44-9577-460B-9090-D771A7D54FE2}" type="datetimeFigureOut">
               <a:rPr lang="en-IN" smtClean="0"/>
-              <a:t>15-06-2018</a:t>
+              <a:t>16-06-2018</a:t>
             </a:fld>
             <a:endParaRPr lang="en-IN"/>
           </a:p>
@@ -3048,7 +3048,7 @@
           <a:p>
             <a:fld id="{5C441A44-9577-460B-9090-D771A7D54FE2}" type="datetimeFigureOut">
               <a:rPr lang="en-IN" smtClean="0"/>
-              <a:t>15-06-2018</a:t>
+              <a:t>16-06-2018</a:t>
             </a:fld>
             <a:endParaRPr lang="en-IN"/>
           </a:p>
@@ -3228,7 +3228,7 @@
           <a:p>
             <a:fld id="{5C441A44-9577-460B-9090-D771A7D54FE2}" type="datetimeFigureOut">
               <a:rPr lang="en-IN" smtClean="0"/>
-              <a:t>15-06-2018</a:t>
+              <a:t>16-06-2018</a:t>
             </a:fld>
             <a:endParaRPr lang="en-IN"/>
           </a:p>
@@ -3398,7 +3398,7 @@
           <a:p>
             <a:fld id="{5C441A44-9577-460B-9090-D771A7D54FE2}" type="datetimeFigureOut">
               <a:rPr lang="en-IN" smtClean="0"/>
-              <a:t>15-06-2018</a:t>
+              <a:t>16-06-2018</a:t>
             </a:fld>
             <a:endParaRPr lang="en-IN"/>
           </a:p>
@@ -3645,7 +3645,7 @@
           <a:p>
             <a:fld id="{5C441A44-9577-460B-9090-D771A7D54FE2}" type="datetimeFigureOut">
               <a:rPr lang="en-IN" smtClean="0"/>
-              <a:t>15-06-2018</a:t>
+              <a:t>16-06-2018</a:t>
             </a:fld>
             <a:endParaRPr lang="en-IN"/>
           </a:p>
@@ -3937,7 +3937,7 @@
           <a:p>
             <a:fld id="{5C441A44-9577-460B-9090-D771A7D54FE2}" type="datetimeFigureOut">
               <a:rPr lang="en-IN" smtClean="0"/>
-              <a:t>15-06-2018</a:t>
+              <a:t>16-06-2018</a:t>
             </a:fld>
             <a:endParaRPr lang="en-IN"/>
           </a:p>
@@ -4381,7 +4381,7 @@
           <a:p>
             <a:fld id="{5C441A44-9577-460B-9090-D771A7D54FE2}" type="datetimeFigureOut">
               <a:rPr lang="en-IN" smtClean="0"/>
-              <a:t>15-06-2018</a:t>
+              <a:t>16-06-2018</a:t>
             </a:fld>
             <a:endParaRPr lang="en-IN"/>
           </a:p>
@@ -4499,7 +4499,7 @@
           <a:p>
             <a:fld id="{5C441A44-9577-460B-9090-D771A7D54FE2}" type="datetimeFigureOut">
               <a:rPr lang="en-IN" smtClean="0"/>
-              <a:t>15-06-2018</a:t>
+              <a:t>16-06-2018</a:t>
             </a:fld>
             <a:endParaRPr lang="en-IN"/>
           </a:p>
@@ -4594,7 +4594,7 @@
           <a:p>
             <a:fld id="{5C441A44-9577-460B-9090-D771A7D54FE2}" type="datetimeFigureOut">
               <a:rPr lang="en-IN" smtClean="0"/>
-              <a:t>15-06-2018</a:t>
+              <a:t>16-06-2018</a:t>
             </a:fld>
             <a:endParaRPr lang="en-IN"/>
           </a:p>
@@ -4873,7 +4873,7 @@
           <a:p>
             <a:fld id="{5C441A44-9577-460B-9090-D771A7D54FE2}" type="datetimeFigureOut">
               <a:rPr lang="en-IN" smtClean="0"/>
-              <a:t>15-06-2018</a:t>
+              <a:t>16-06-2018</a:t>
             </a:fld>
             <a:endParaRPr lang="en-IN"/>
           </a:p>
@@ -5148,7 +5148,7 @@
           <a:p>
             <a:fld id="{5C441A44-9577-460B-9090-D771A7D54FE2}" type="datetimeFigureOut">
               <a:rPr lang="en-IN" smtClean="0"/>
-              <a:t>15-06-2018</a:t>
+              <a:t>16-06-2018</a:t>
             </a:fld>
             <a:endParaRPr lang="en-IN"/>
           </a:p>
@@ -5577,7 +5577,7 @@
           <a:p>
             <a:fld id="{5C441A44-9577-460B-9090-D771A7D54FE2}" type="datetimeFigureOut">
               <a:rPr lang="en-IN" smtClean="0"/>
-              <a:t>15-06-2018</a:t>
+              <a:t>16-06-2018</a:t>
             </a:fld>
             <a:endParaRPr lang="en-IN"/>
           </a:p>
@@ -6246,106 +6246,6 @@
       </p:grpSpPr>
       <p:sp>
         <p:nvSpPr>
-          <p:cNvPr id="2" name="Title 1"/>
-          <p:cNvSpPr>
-            <a:spLocks noGrp="1"/>
-          </p:cNvSpPr>
-          <p:nvPr>
-            <p:ph type="title"/>
-          </p:nvPr>
-        </p:nvSpPr>
-        <p:spPr/>
-        <p:txBody>
-          <a:bodyPr/>
-          <a:lstStyle/>
-          <a:p>
-            <a:r>
-              <a:rPr lang="en-US" sz="2000" dirty="0"/>
-              <a:t>The U.S. State Department also puts out travel warnings when there's a long-term, protracted condition that makes a country too dangerous for Americans to visit.</a:t>
-            </a:r>
-            <a:br>
-              <a:rPr lang="en-US" sz="2000" dirty="0"/>
-            </a:br>
-            <a:r>
-              <a:rPr lang="en-US" sz="2000" dirty="0"/>
-              <a:t>Here is a map of all of the travel warnings that are in effect since September of last year. It likely doesn't come as a shock to anyone who reads foreign news, consisting largely of hotspots in North Africa, the Middle East, and a few outlying Asian countries such as North </a:t>
-            </a:r>
-            <a:r>
-              <a:rPr lang="en-US" sz="2000" dirty="0" smtClean="0"/>
-              <a:t>Korea:</a:t>
-            </a:r>
-            <a:r>
-              <a:rPr lang="en-US" sz="2000" dirty="0"/>
-              <a:t/>
-            </a:r>
-            <a:br>
-              <a:rPr lang="en-US" sz="2000" dirty="0"/>
-            </a:br>
-            <a:endParaRPr lang="en-IN" sz="2000" dirty="0"/>
-          </a:p>
-        </p:txBody>
-      </p:sp>
-      <p:pic>
-        <p:nvPicPr>
-          <p:cNvPr id="4" name="Content Placeholder 3"/>
-          <p:cNvPicPr>
-            <a:picLocks noGrp="1" noChangeAspect="1"/>
-          </p:cNvPicPr>
-          <p:nvPr>
-            <p:ph idx="1"/>
-          </p:nvPr>
-        </p:nvPicPr>
-        <p:blipFill>
-          <a:blip r:embed="rId2">
-            <a:extLst>
-              <a:ext uri="{28A0092B-C50C-407E-A947-70E740481C1C}">
-                <a14:useLocalDpi xmlns:a14="http://schemas.microsoft.com/office/drawing/2010/main" val="0"/>
-              </a:ext>
-            </a:extLst>
-          </a:blip>
-          <a:stretch>
-            <a:fillRect/>
-          </a:stretch>
-        </p:blipFill>
-        <p:spPr>
-          <a:xfrm>
-            <a:off x="3355793" y="2819604"/>
-            <a:ext cx="5191125" cy="3724275"/>
-          </a:xfrm>
-        </p:spPr>
-      </p:pic>
-    </p:spTree>
-    <p:extLst>
-      <p:ext uri="{BB962C8B-B14F-4D97-AF65-F5344CB8AC3E}">
-        <p14:creationId xmlns:p14="http://schemas.microsoft.com/office/powerpoint/2010/main" val="2040208714"/>
-      </p:ext>
-    </p:extLst>
-  </p:cSld>
-  <p:clrMapOvr>
-    <a:masterClrMapping/>
-  </p:clrMapOvr>
-</p:sld>
-</file>
-
-<file path=ppt/slides/slide12.xml><?xml version="1.0" encoding="utf-8"?>
-<p:sld xmlns:a="http://schemas.openxmlformats.org/drawingml/2006/main" xmlns:r="http://schemas.openxmlformats.org/officeDocument/2006/relationships" xmlns:p="http://schemas.openxmlformats.org/presentationml/2006/main">
-  <p:cSld>
-    <p:spTree>
-      <p:nvGrpSpPr>
-        <p:cNvPr id="1" name=""/>
-        <p:cNvGrpSpPr/>
-        <p:nvPr/>
-      </p:nvGrpSpPr>
-      <p:grpSpPr>
-        <a:xfrm>
-          <a:off x="0" y="0"/>
-          <a:ext cx="0" cy="0"/>
-          <a:chOff x="0" y="0"/>
-          <a:chExt cx="0" cy="0"/>
-        </a:xfrm>
-      </p:grpSpPr>
-      <p:sp>
-        <p:nvSpPr>
           <p:cNvPr id="3" name="Content Placeholder 2"/>
           <p:cNvSpPr>
             <a:spLocks noGrp="1"/>
@@ -6558,7 +6458,7 @@
 </p:sld>
 </file>
 
-<file path=ppt/slides/slide13.xml><?xml version="1.0" encoding="utf-8"?>
+<file path=ppt/slides/slide12.xml><?xml version="1.0" encoding="utf-8"?>
 <p:sld xmlns:a="http://schemas.openxmlformats.org/drawingml/2006/main" xmlns:r="http://schemas.openxmlformats.org/officeDocument/2006/relationships" xmlns:p="http://schemas.openxmlformats.org/presentationml/2006/main">
   <p:cSld>
     <p:spTree>
@@ -6636,6 +6536,180 @@
 </p:sld>
 </file>
 
+<file path=ppt/slides/slide13.xml><?xml version="1.0" encoding="utf-8"?>
+<p:sld xmlns:a="http://schemas.openxmlformats.org/drawingml/2006/main" xmlns:r="http://schemas.openxmlformats.org/officeDocument/2006/relationships" xmlns:p="http://schemas.openxmlformats.org/presentationml/2006/main">
+  <p:cSld>
+    <p:spTree>
+      <p:nvGrpSpPr>
+        <p:cNvPr id="1" name=""/>
+        <p:cNvGrpSpPr/>
+        <p:nvPr/>
+      </p:nvGrpSpPr>
+      <p:grpSpPr>
+        <a:xfrm>
+          <a:off x="0" y="0"/>
+          <a:ext cx="0" cy="0"/>
+          <a:chOff x="0" y="0"/>
+          <a:chExt cx="0" cy="0"/>
+        </a:xfrm>
+      </p:grpSpPr>
+      <p:sp>
+        <p:nvSpPr>
+          <p:cNvPr id="2" name="Title 1"/>
+          <p:cNvSpPr>
+            <a:spLocks noGrp="1"/>
+          </p:cNvSpPr>
+          <p:nvPr>
+            <p:ph type="title"/>
+          </p:nvPr>
+        </p:nvSpPr>
+        <p:spPr/>
+        <p:txBody>
+          <a:bodyPr/>
+          <a:lstStyle/>
+          <a:p>
+            <a:r>
+              <a:rPr lang="en-IN" dirty="0" smtClean="0"/>
+              <a:t>Competition</a:t>
+            </a:r>
+            <a:endParaRPr lang="en-IN" dirty="0"/>
+          </a:p>
+        </p:txBody>
+      </p:sp>
+      <p:sp>
+        <p:nvSpPr>
+          <p:cNvPr id="3" name="Content Placeholder 2"/>
+          <p:cNvSpPr>
+            <a:spLocks noGrp="1"/>
+          </p:cNvSpPr>
+          <p:nvPr>
+            <p:ph idx="1"/>
+          </p:nvPr>
+        </p:nvSpPr>
+        <p:spPr>
+          <a:xfrm>
+            <a:off x="1036320" y="1384664"/>
+            <a:ext cx="9013533" cy="4863736"/>
+          </a:xfrm>
+        </p:spPr>
+        <p:txBody>
+          <a:bodyPr>
+            <a:normAutofit fontScale="70000" lnSpcReduction="20000"/>
+          </a:bodyPr>
+          <a:lstStyle/>
+          <a:p>
+            <a:pPr fontAlgn="base"/>
+            <a:r>
+              <a:rPr lang="en-US" dirty="0"/>
+              <a:t>My cab is driving through a middle-class neighborhood of Rio de Janeiro at dusk. As we start snaking up a winding road, the street gets bumpier and there’s less lighting. As we near an intersection, a red pop-up appears on the driver’s Waze app: “Area with risk of crime.” There’s a voice alert too.</a:t>
+            </a:r>
+          </a:p>
+          <a:p>
+            <a:pPr fontAlgn="base"/>
+            <a:r>
+              <a:rPr lang="en-US" dirty="0"/>
+              <a:t>The crime warning feature, which appears in 25 areas in Rio, was launched in early August by Waze just in time for the rush of an estimated half million Olympic tourists.</a:t>
+            </a:r>
+          </a:p>
+          <a:p>
+            <a:pPr fontAlgn="base"/>
+            <a:r>
+              <a:rPr lang="en-US" dirty="0"/>
+              <a:t>Rio’s chronic crime had been on the decline for a few years, but homicides in the state surged by 17% and street robberies by 34% in the first six months of 2016, as the country’s economic crisis bit harder.</a:t>
+            </a:r>
+          </a:p>
+          <a:p>
+            <a:pPr fontAlgn="base"/>
+            <a:r>
+              <a:rPr lang="en-US" dirty="0"/>
+              <a:t>Waze isn’t the only one. Last week the </a:t>
+            </a:r>
+            <a:r>
+              <a:rPr lang="en-US" dirty="0" err="1"/>
+              <a:t>Igarapé</a:t>
+            </a:r>
+            <a:r>
+              <a:rPr lang="en-US" dirty="0"/>
+              <a:t> Institute, a Rio think tank, rolled out </a:t>
+            </a:r>
+            <a:r>
+              <a:rPr lang="en-US" dirty="0" err="1">
+                <a:hlinkClick r:id="rId2"/>
+              </a:rPr>
+              <a:t>CrimeRadar</a:t>
+            </a:r>
+            <a:r>
+              <a:rPr lang="en-US" dirty="0"/>
+              <a:t>, an app that shows crime rates in the city in different neighborhoods and even at different times of day.</a:t>
+            </a:r>
+          </a:p>
+          <a:p>
+            <a:pPr fontAlgn="base"/>
+            <a:r>
+              <a:rPr lang="en-US" dirty="0"/>
+              <a:t>Such warnings, however, raise a thorny ethical dilemma: Can you warn people about risky areas without stigmatizing those neighborhoods, potentially hurting businesses and denting property values?</a:t>
+            </a:r>
+          </a:p>
+          <a:p>
+            <a:pPr fontAlgn="base"/>
+            <a:r>
+              <a:rPr lang="en-US" dirty="0"/>
+              <a:t>It’s a question that’s set to become more pressing everywhere, as “</a:t>
+            </a:r>
+            <a:r>
+              <a:rPr lang="en-US" dirty="0">
+                <a:hlinkClick r:id="rId3"/>
+              </a:rPr>
+              <a:t>open data</a:t>
+            </a:r>
+            <a:r>
+              <a:rPr lang="en-US" dirty="0"/>
+              <a:t>” programs make cities and their structural inequalities more transparent. But it’s an especially tricky one in Rio, already deeply polarized between haves and have-nots.</a:t>
+            </a:r>
+          </a:p>
+          <a:p>
+            <a:pPr fontAlgn="base"/>
+            <a:r>
+              <a:rPr lang="en-US" dirty="0"/>
+              <a:t>Waze officials say the idea for a crime alert has been gestating for a few years, because of demand from its users. Waze has 65 million users worldwide, and Brazil is one of its biggest markets. To identify areas of risk, Waze tapped into data it got from </a:t>
+            </a:r>
+            <a:r>
+              <a:rPr lang="en-US" dirty="0" err="1"/>
+              <a:t>Disque-Denúncia</a:t>
+            </a:r>
+            <a:r>
+              <a:rPr lang="en-US" dirty="0"/>
+              <a:t>, a public safety call center inspired by </a:t>
+            </a:r>
+            <a:r>
+              <a:rPr lang="en-US" dirty="0" err="1">
+                <a:hlinkClick r:id="rId4"/>
+              </a:rPr>
+              <a:t>Crimestoppers</a:t>
+            </a:r>
+            <a:r>
+              <a:rPr lang="en-US" dirty="0"/>
+              <a:t>-style programs in the US. It also relied on the knowledge of its community of volunteer map editors in Rio, and a score of Brazilian employees.</a:t>
+            </a:r>
+          </a:p>
+          <a:p>
+            <a:endParaRPr lang="en-IN" dirty="0"/>
+          </a:p>
+        </p:txBody>
+      </p:sp>
+    </p:spTree>
+    <p:extLst>
+      <p:ext uri="{BB962C8B-B14F-4D97-AF65-F5344CB8AC3E}">
+        <p14:creationId xmlns:p14="http://schemas.microsoft.com/office/powerpoint/2010/main" val="4270970146"/>
+      </p:ext>
+    </p:extLst>
+  </p:cSld>
+  <p:clrMapOvr>
+    <a:masterClrMapping/>
+  </p:clrMapOvr>
+</p:sld>
+</file>
+
 <file path=ppt/slides/slide14.xml><?xml version="1.0" encoding="utf-8"?>
 <p:sld xmlns:a="http://schemas.openxmlformats.org/drawingml/2006/main" xmlns:r="http://schemas.openxmlformats.org/officeDocument/2006/relationships" xmlns:p="http://schemas.openxmlformats.org/presentationml/2006/main">
   <p:cSld>
@@ -6655,29 +6729,6 @@
       </p:grpSpPr>
       <p:sp>
         <p:nvSpPr>
-          <p:cNvPr id="2" name="Title 1"/>
-          <p:cNvSpPr>
-            <a:spLocks noGrp="1"/>
-          </p:cNvSpPr>
-          <p:nvPr>
-            <p:ph type="title"/>
-          </p:nvPr>
-        </p:nvSpPr>
-        <p:spPr/>
-        <p:txBody>
-          <a:bodyPr/>
-          <a:lstStyle/>
-          <a:p>
-            <a:r>
-              <a:rPr lang="en-IN" dirty="0" smtClean="0"/>
-              <a:t>Competition</a:t>
-            </a:r>
-            <a:endParaRPr lang="en-IN" dirty="0"/>
-          </a:p>
-        </p:txBody>
-      </p:sp>
-      <p:sp>
-        <p:nvSpPr>
           <p:cNvPr id="3" name="Content Placeholder 2"/>
           <p:cNvSpPr>
             <a:spLocks noGrp="1"/>
@@ -6688,41 +6739,31 @@
         </p:nvSpPr>
         <p:spPr>
           <a:xfrm>
-            <a:off x="1036320" y="1384664"/>
-            <a:ext cx="9013533" cy="4863736"/>
+            <a:off x="1175657" y="783772"/>
+            <a:ext cx="8874196" cy="5464628"/>
           </a:xfrm>
         </p:spPr>
         <p:txBody>
           <a:bodyPr>
-            <a:normAutofit fontScale="70000" lnSpcReduction="20000"/>
+            <a:normAutofit fontScale="92500" lnSpcReduction="10000"/>
           </a:bodyPr>
           <a:lstStyle/>
           <a:p>
-            <a:pPr fontAlgn="base"/>
+            <a:r>
+              <a:rPr lang="en-US" dirty="0" err="1"/>
+              <a:t>CrimeRadar</a:t>
+            </a:r>
             <a:r>
               <a:rPr lang="en-US" dirty="0"/>
-              <a:t>My cab is driving through a middle-class neighborhood of Rio de Janeiro at dusk. As we start snaking up a winding road, the street gets bumpier and there’s less lighting. As we near an intersection, a red pop-up appears on the driver’s Waze app: “Area with risk of crime.” There’s a voice alert too.</a:t>
-            </a:r>
-          </a:p>
-          <a:p>
-            <a:pPr fontAlgn="base"/>
+              <a:t>, which is based on government data on 14 million crime incidents, shows a map of the city with blue and green signaling lower-crime areas, and orange and red for higher-crime ones. To reduce the risk of stigma, says Robert </a:t>
+            </a:r>
+            <a:r>
+              <a:rPr lang="en-US" dirty="0" err="1"/>
+              <a:t>Muggah</a:t>
+            </a:r>
             <a:r>
               <a:rPr lang="en-US" dirty="0"/>
-              <a:t>The crime warning feature, which appears in 25 areas in Rio, was launched in early August by Waze just in time for the rush of an estimated half million Olympic tourists.</a:t>
-            </a:r>
-          </a:p>
-          <a:p>
-            <a:pPr fontAlgn="base"/>
-            <a:r>
-              <a:rPr lang="en-US" dirty="0"/>
-              <a:t>Rio’s chronic crime had been on the decline for a few years, but homicides in the state surged by 17% and street robberies by 34% in the first six months of 2016, as the country’s economic crisis bit harder.</a:t>
-            </a:r>
-          </a:p>
-          <a:p>
-            <a:pPr fontAlgn="base"/>
-            <a:r>
-              <a:rPr lang="en-US" dirty="0"/>
-              <a:t>Waze isn’t the only one. Last week the </a:t>
+              <a:t>, research director at </a:t>
             </a:r>
             <a:r>
               <a:rPr lang="en-US" dirty="0" err="1"/>
@@ -6730,69 +6771,77 @@
             </a:r>
             <a:r>
               <a:rPr lang="en-US" dirty="0"/>
-              <a:t> Institute, a Rio think tank, rolled out </a:t>
-            </a:r>
-            <a:r>
-              <a:rPr lang="en-US" dirty="0" err="1">
-                <a:hlinkClick r:id="rId2"/>
-              </a:rPr>
+              <a:t>, the app provides data in blocks of 250 by 250 meters (820 by 820 feet) instead of at a more granular level. And, he notes, it shows that crime isn’t limited to poor neighborhoods; some middle and upper-income areas of Rio are among the riskiest</a:t>
+            </a:r>
+            <a:r>
+              <a:rPr lang="en-US" dirty="0" smtClean="0"/>
+              <a:t>. </a:t>
+            </a:r>
+            <a:r>
+              <a:rPr lang="en-US" dirty="0"/>
+              <a:t>Nonetheless, </a:t>
+            </a:r>
+            <a:r>
+              <a:rPr lang="en-US" dirty="0" err="1"/>
               <a:t>CrimeRadar</a:t>
             </a:r>
             <a:r>
               <a:rPr lang="en-US" dirty="0"/>
-              <a:t>, an app that shows crime rates in the city in different neighborhoods and even at different times of day.</a:t>
-            </a:r>
-          </a:p>
-          <a:p>
-            <a:pPr fontAlgn="base"/>
+              <a:t> makes no attempt to obscure the information, which means it has even more potential than WAZE to stigmatize neighborhoods. Only time will tell whether it does—or indeed whether it makes people safer</a:t>
+            </a:r>
+            <a:r>
+              <a:rPr lang="en-US" dirty="0" smtClean="0"/>
+              <a:t>.</a:t>
+            </a:r>
+          </a:p>
+          <a:p>
             <a:r>
               <a:rPr lang="en-US" dirty="0"/>
-              <a:t>Such warnings, however, raise a thorny ethical dilemma: Can you warn people about risky areas without stigmatizing those neighborhoods, potentially hurting businesses and denting property values?</a:t>
-            </a:r>
-          </a:p>
-          <a:p>
-            <a:pPr fontAlgn="base"/>
-            <a:r>
+              <a:t/>
+            </a:r>
+            <a:br>
               <a:rPr lang="en-US" dirty="0"/>
-              <a:t>It’s a question that’s set to become more pressing everywhere, as “</a:t>
-            </a:r>
-            <a:r>
-              <a:rPr lang="en-US" dirty="0">
-                <a:hlinkClick r:id="rId3"/>
-              </a:rPr>
-              <a:t>open data</a:t>
-            </a:r>
+            </a:br>
             <a:r>
               <a:rPr lang="en-US" dirty="0"/>
-              <a:t>” programs make cities and their structural inequalities more transparent. But it’s an especially tricky one in Rio, already deeply polarized between haves and have-nots.</a:t>
-            </a:r>
-          </a:p>
-          <a:p>
-            <a:pPr fontAlgn="base"/>
+              <a:t>The </a:t>
+            </a:r>
+            <a:r>
+              <a:rPr lang="en-US" dirty="0" err="1"/>
+              <a:t>bSafe</a:t>
+            </a:r>
             <a:r>
               <a:rPr lang="en-US" dirty="0"/>
-              <a:t>Waze officials say the idea for a crime alert has been gestating for a few years, because of demand from its users. Waze has 65 million users worldwide, and Brazil is one of its biggest markets. To identify areas of risk, Waze tapped into data it got from </a:t>
-            </a:r>
-            <a:r>
-              <a:rPr lang="en-US" dirty="0" err="1"/>
-              <a:t>Disque-Denúncia</a:t>
-            </a:r>
-            <a:r>
+              <a:t> app ensures the safety and security of women.</a:t>
+            </a:r>
+            <a:br>
               <a:rPr lang="en-US" dirty="0"/>
-              <a:t>, a public safety call center inspired by </a:t>
-            </a:r>
-            <a:r>
-              <a:rPr lang="en-US" dirty="0" err="1">
-                <a:hlinkClick r:id="rId4"/>
-              </a:rPr>
-              <a:t>Crimestoppers</a:t>
-            </a:r>
+            </a:br>
             <a:r>
               <a:rPr lang="en-US" dirty="0"/>
-              <a:t>-style programs in the US. It also relied on the knowledge of its community of volunteer map editors in Rio, and a score of Brazilian employees.</a:t>
-            </a:r>
-          </a:p>
-          <a:p>
+              <a:t/>
+            </a:r>
+            <a:br>
+              <a:rPr lang="en-US" dirty="0"/>
+            </a:br>
+            <a:r>
+              <a:rPr lang="en-US" dirty="0"/>
+              <a:t>It allows contacts follow you through a live GPS trail and also set a timed alarm which goes off if you haven’t ‘checked in’.</a:t>
+            </a:r>
+            <a:br>
+              <a:rPr lang="en-US" dirty="0"/>
+            </a:br>
+            <a:r>
+              <a:rPr lang="en-US" dirty="0"/>
+              <a:t/>
+            </a:r>
+            <a:br>
+              <a:rPr lang="en-US" dirty="0"/>
+            </a:br>
+            <a:r>
+              <a:rPr lang="en-US" dirty="0"/>
+              <a:t>Moreover, it will also make your phone ring with a fake call and also notifies the emergency contacts with the location, video and even siren</a:t>
+            </a:r>
             <a:endParaRPr lang="en-IN" dirty="0"/>
           </a:p>
         </p:txBody>
@@ -6800,7 +6849,7 @@
     </p:spTree>
     <p:extLst>
       <p:ext uri="{BB962C8B-B14F-4D97-AF65-F5344CB8AC3E}">
-        <p14:creationId xmlns:p14="http://schemas.microsoft.com/office/powerpoint/2010/main" val="4270970146"/>
+        <p14:creationId xmlns:p14="http://schemas.microsoft.com/office/powerpoint/2010/main" val="4014384261"/>
       </p:ext>
     </p:extLst>
   </p:cSld>
@@ -6829,126 +6878,89 @@
       </p:grpSpPr>
       <p:sp>
         <p:nvSpPr>
-          <p:cNvPr id="3" name="Content Placeholder 2"/>
-          <p:cNvSpPr>
-            <a:spLocks noGrp="1"/>
-          </p:cNvSpPr>
-          <p:nvPr>
-            <p:ph idx="1"/>
+          <p:cNvPr id="2" name="Title 1"/>
+          <p:cNvSpPr>
+            <a:spLocks noGrp="1"/>
+          </p:cNvSpPr>
+          <p:nvPr>
+            <p:ph type="title"/>
           </p:nvPr>
         </p:nvSpPr>
         <p:spPr>
           <a:xfrm>
-            <a:off x="1175657" y="783772"/>
-            <a:ext cx="8874196" cy="5464628"/>
+            <a:off x="777505" y="1850695"/>
+            <a:ext cx="9404723" cy="1400530"/>
           </a:xfrm>
         </p:spPr>
         <p:txBody>
-          <a:bodyPr>
-            <a:normAutofit fontScale="92500" lnSpcReduction="10000"/>
-          </a:bodyPr>
-          <a:lstStyle/>
-          <a:p>
-            <a:r>
-              <a:rPr lang="en-US" dirty="0" err="1"/>
-              <a:t>CrimeRadar</a:t>
-            </a:r>
-            <a:r>
-              <a:rPr lang="en-US" dirty="0"/>
-              <a:t>, which is based on government data on 14 million crime incidents, shows a map of the city with blue and green signaling lower-crime areas, and orange and red for higher-crime ones. To reduce the risk of stigma, says Robert </a:t>
-            </a:r>
-            <a:r>
-              <a:rPr lang="en-US" dirty="0" err="1"/>
-              <a:t>Muggah</a:t>
-            </a:r>
-            <a:r>
-              <a:rPr lang="en-US" dirty="0"/>
-              <a:t>, research director at </a:t>
-            </a:r>
-            <a:r>
-              <a:rPr lang="en-US" dirty="0" err="1"/>
-              <a:t>Igarapé</a:t>
-            </a:r>
-            <a:r>
-              <a:rPr lang="en-US" dirty="0"/>
-              <a:t>, the app provides data in blocks of 250 by 250 meters (820 by 820 feet) instead of at a more granular level. And, he notes, it shows that crime isn’t limited to poor neighborhoods; some middle and upper-income areas of Rio are among the riskiest</a:t>
-            </a:r>
-            <a:r>
-              <a:rPr lang="en-US" dirty="0" smtClean="0"/>
-              <a:t>. </a:t>
-            </a:r>
-            <a:r>
-              <a:rPr lang="en-US" dirty="0"/>
-              <a:t>Nonetheless, </a:t>
-            </a:r>
-            <a:r>
-              <a:rPr lang="en-US" dirty="0" err="1"/>
-              <a:t>CrimeRadar</a:t>
-            </a:r>
-            <a:r>
-              <a:rPr lang="en-US" dirty="0"/>
-              <a:t> makes no attempt to obscure the information, which means it has even more potential than WAZE to stigmatize neighborhoods. Only time will tell whether it does—or indeed whether it makes people safer</a:t>
-            </a:r>
-            <a:r>
-              <a:rPr lang="en-US" dirty="0" smtClean="0"/>
-              <a:t>.</a:t>
-            </a:r>
-          </a:p>
-          <a:p>
-            <a:r>
-              <a:rPr lang="en-US" dirty="0"/>
-              <a:t/>
-            </a:r>
-            <a:br>
-              <a:rPr lang="en-US" dirty="0"/>
-            </a:br>
-            <a:r>
-              <a:rPr lang="en-US" dirty="0"/>
-              <a:t>The </a:t>
-            </a:r>
-            <a:r>
-              <a:rPr lang="en-US" dirty="0" err="1"/>
-              <a:t>bSafe</a:t>
-            </a:r>
-            <a:r>
-              <a:rPr lang="en-US" dirty="0"/>
-              <a:t> app ensures the safety and security of women.</a:t>
-            </a:r>
-            <a:r>
-              <a:rPr lang="en-US" dirty="0"/>
-              <a:t/>
-            </a:r>
-            <a:br>
-              <a:rPr lang="en-US" dirty="0"/>
-            </a:br>
-            <a:r>
-              <a:rPr lang="en-US" dirty="0"/>
-              <a:t/>
-            </a:r>
-            <a:br>
-              <a:rPr lang="en-US" dirty="0"/>
-            </a:br>
-            <a:r>
-              <a:rPr lang="en-US" dirty="0"/>
-              <a:t>It allows contacts follow you through a live GPS trail and also set a timed alarm which goes off if you haven’t ‘checked in’.</a:t>
-            </a:r>
-            <a:r>
-              <a:rPr lang="en-US" dirty="0"/>
-              <a:t/>
-            </a:r>
-            <a:br>
-              <a:rPr lang="en-US" dirty="0"/>
-            </a:br>
-            <a:r>
-              <a:rPr lang="en-US" dirty="0"/>
-              <a:t/>
-            </a:r>
-            <a:br>
-              <a:rPr lang="en-US" dirty="0"/>
-            </a:br>
-            <a:r>
-              <a:rPr lang="en-US" dirty="0"/>
-              <a:t>Moreover, it will also make your phone ring with a fake call and also notifies the emergency contacts with the location, video and even siren</a:t>
+          <a:bodyPr/>
+          <a:lstStyle/>
+          <a:p>
+            <a:pPr algn="ctr"/>
+            <a:r>
+              <a:rPr lang="en-IN" sz="8000" dirty="0" smtClean="0"/>
+              <a:t>THANK</a:t>
+            </a:r>
+            <a:r>
+              <a:rPr lang="en-IN" dirty="0" smtClean="0"/>
+              <a:t> </a:t>
+            </a:r>
+            <a:r>
+              <a:rPr lang="en-IN" sz="8000" dirty="0" smtClean="0"/>
+              <a:t>YOU	</a:t>
+            </a:r>
+            <a:endParaRPr lang="en-IN" sz="8000" dirty="0"/>
+          </a:p>
+        </p:txBody>
+      </p:sp>
+      <p:sp>
+        <p:nvSpPr>
+          <p:cNvPr id="3" name="Content Placeholder 2"/>
+          <p:cNvSpPr>
+            <a:spLocks noGrp="1"/>
+          </p:cNvSpPr>
+          <p:nvPr>
+            <p:ph idx="1"/>
+          </p:nvPr>
+        </p:nvSpPr>
+        <p:spPr>
+          <a:xfrm>
+            <a:off x="1006597" y="4391671"/>
+            <a:ext cx="8946541" cy="4195481"/>
+          </a:xfrm>
+        </p:spPr>
+        <p:txBody>
+          <a:bodyPr/>
+          <a:lstStyle/>
+          <a:p>
+            <a:r>
+              <a:rPr lang="en-IN" dirty="0" smtClean="0"/>
+              <a:t>Made by:</a:t>
+            </a:r>
+          </a:p>
+          <a:p>
+            <a:r>
+              <a:rPr lang="en-IN" dirty="0" err="1" smtClean="0"/>
+              <a:t>Himani</a:t>
+            </a:r>
+            <a:r>
+              <a:rPr lang="en-IN" dirty="0" smtClean="0"/>
+              <a:t> </a:t>
+            </a:r>
+            <a:r>
+              <a:rPr lang="en-IN" dirty="0" err="1" smtClean="0"/>
+              <a:t>Vatyani</a:t>
+            </a:r>
+            <a:endParaRPr lang="en-IN" dirty="0" smtClean="0"/>
+          </a:p>
+          <a:p>
+            <a:r>
+              <a:rPr lang="en-IN" dirty="0" err="1" smtClean="0"/>
+              <a:t>Ishita</a:t>
+            </a:r>
+            <a:r>
+              <a:rPr lang="en-IN" dirty="0" smtClean="0"/>
+              <a:t> Saraswat</a:t>
             </a:r>
             <a:endParaRPr lang="en-IN" dirty="0"/>
           </a:p>
@@ -6957,7 +6969,7 @@
     </p:spTree>
     <p:extLst>
       <p:ext uri="{BB962C8B-B14F-4D97-AF65-F5344CB8AC3E}">
-        <p14:creationId xmlns:p14="http://schemas.microsoft.com/office/powerpoint/2010/main" val="4014384261"/>
+        <p14:creationId xmlns:p14="http://schemas.microsoft.com/office/powerpoint/2010/main" val="3724627853"/>
       </p:ext>
     </p:extLst>
   </p:cSld>
@@ -7231,8 +7243,8 @@
         </p:blipFill>
         <p:spPr>
           <a:xfrm>
-            <a:off x="1461246" y="672353"/>
-            <a:ext cx="8731625" cy="5289176"/>
+            <a:off x="0" y="0"/>
+            <a:ext cx="12192000" cy="6858000"/>
           </a:xfrm>
           <a:prstGeom prst="rect">
             <a:avLst/>
@@ -7706,25 +7718,6 @@
       </p:grpSpPr>
       <p:sp>
         <p:nvSpPr>
-          <p:cNvPr id="2" name="Title 1"/>
-          <p:cNvSpPr>
-            <a:spLocks noGrp="1"/>
-          </p:cNvSpPr>
-          <p:nvPr>
-            <p:ph type="title"/>
-          </p:nvPr>
-        </p:nvSpPr>
-        <p:spPr/>
-        <p:txBody>
-          <a:bodyPr/>
-          <a:lstStyle/>
-          <a:p>
-            <a:endParaRPr lang="en-IN"/>
-          </a:p>
-        </p:txBody>
-      </p:sp>
-      <p:sp>
-        <p:nvSpPr>
           <p:cNvPr id="3" name="Content Placeholder 2"/>
           <p:cNvSpPr>
             <a:spLocks noGrp="1"/>
@@ -7733,10 +7726,15 @@
             <p:ph idx="1"/>
           </p:nvPr>
         </p:nvSpPr>
-        <p:spPr/>
+        <p:spPr>
+          <a:xfrm>
+            <a:off x="967154" y="527538"/>
+            <a:ext cx="9082699" cy="5747237"/>
+          </a:xfrm>
+        </p:spPr>
         <p:txBody>
           <a:bodyPr>
-            <a:normAutofit fontScale="92500" lnSpcReduction="10000"/>
+            <a:normAutofit/>
           </a:bodyPr>
           <a:lstStyle/>
           <a:p>
